--- a/AnalyticPresentation.pptx
+++ b/AnalyticPresentation.pptx
@@ -207,7 +207,7 @@
           <a:p>
             <a:fld id="{5840E178-BE70-A94A-A8F2-81192F257DCB}" type="datetimeFigureOut">
               <a:rPr lang="en-KE" smtClean="0"/>
-              <a:t>31/07/2024</a:t>
+              <a:t>26/10/2024</a:t>
             </a:fld>
             <a:endParaRPr lang="en-KE"/>
           </a:p>
@@ -690,7 +690,7 @@
           <a:p>
             <a:fld id="{5DF74590-E9FD-764A-850B-97F95884E8E3}" type="datetimeFigureOut">
               <a:rPr lang="en-KE" smtClean="0"/>
-              <a:t>31/07/2024</a:t>
+              <a:t>26/10/2024</a:t>
             </a:fld>
             <a:endParaRPr lang="en-KE"/>
           </a:p>
@@ -872,7 +872,7 @@
           <a:p>
             <a:fld id="{5DF74590-E9FD-764A-850B-97F95884E8E3}" type="datetimeFigureOut">
               <a:rPr lang="en-KE" smtClean="0"/>
-              <a:t>31/07/2024</a:t>
+              <a:t>26/10/2024</a:t>
             </a:fld>
             <a:endParaRPr lang="en-KE"/>
           </a:p>
@@ -1064,7 +1064,7 @@
           <a:p>
             <a:fld id="{5DF74590-E9FD-764A-850B-97F95884E8E3}" type="datetimeFigureOut">
               <a:rPr lang="en-KE" smtClean="0"/>
-              <a:t>31/07/2024</a:t>
+              <a:t>26/10/2024</a:t>
             </a:fld>
             <a:endParaRPr lang="en-KE"/>
           </a:p>
@@ -1246,7 +1246,7 @@
           <a:p>
             <a:fld id="{5DF74590-E9FD-764A-850B-97F95884E8E3}" type="datetimeFigureOut">
               <a:rPr lang="en-KE" smtClean="0"/>
-              <a:t>31/07/2024</a:t>
+              <a:t>26/10/2024</a:t>
             </a:fld>
             <a:endParaRPr lang="en-KE"/>
           </a:p>
@@ -1504,7 +1504,7 @@
           <a:p>
             <a:fld id="{5DF74590-E9FD-764A-850B-97F95884E8E3}" type="datetimeFigureOut">
               <a:rPr lang="en-KE" smtClean="0"/>
-              <a:t>31/07/2024</a:t>
+              <a:t>26/10/2024</a:t>
             </a:fld>
             <a:endParaRPr lang="en-KE"/>
           </a:p>
@@ -1748,7 +1748,7 @@
           <a:p>
             <a:fld id="{5DF74590-E9FD-764A-850B-97F95884E8E3}" type="datetimeFigureOut">
               <a:rPr lang="en-KE" smtClean="0"/>
-              <a:t>31/07/2024</a:t>
+              <a:t>26/10/2024</a:t>
             </a:fld>
             <a:endParaRPr lang="en-KE"/>
           </a:p>
@@ -2127,7 +2127,7 @@
           <a:p>
             <a:fld id="{5DF74590-E9FD-764A-850B-97F95884E8E3}" type="datetimeFigureOut">
               <a:rPr lang="en-KE" smtClean="0"/>
-              <a:t>31/07/2024</a:t>
+              <a:t>26/10/2024</a:t>
             </a:fld>
             <a:endParaRPr lang="en-KE"/>
           </a:p>
@@ -2257,7 +2257,7 @@
           <a:p>
             <a:fld id="{5DF74590-E9FD-764A-850B-97F95884E8E3}" type="datetimeFigureOut">
               <a:rPr lang="en-KE" smtClean="0"/>
-              <a:t>31/07/2024</a:t>
+              <a:t>26/10/2024</a:t>
             </a:fld>
             <a:endParaRPr lang="en-KE"/>
           </a:p>
@@ -2364,7 +2364,7 @@
           <a:p>
             <a:fld id="{5DF74590-E9FD-764A-850B-97F95884E8E3}" type="datetimeFigureOut">
               <a:rPr lang="en-KE" smtClean="0"/>
-              <a:t>31/07/2024</a:t>
+              <a:t>26/10/2024</a:t>
             </a:fld>
             <a:endParaRPr lang="en-KE"/>
           </a:p>
@@ -2653,7 +2653,7 @@
           <a:p>
             <a:fld id="{5DF74590-E9FD-764A-850B-97F95884E8E3}" type="datetimeFigureOut">
               <a:rPr lang="en-KE" smtClean="0"/>
-              <a:t>31/07/2024</a:t>
+              <a:t>26/10/2024</a:t>
             </a:fld>
             <a:endParaRPr lang="en-KE"/>
           </a:p>
@@ -2922,7 +2922,7 @@
           <a:p>
             <a:fld id="{5DF74590-E9FD-764A-850B-97F95884E8E3}" type="datetimeFigureOut">
               <a:rPr lang="en-KE" smtClean="0"/>
-              <a:t>31/07/2024</a:t>
+              <a:t>26/10/2024</a:t>
             </a:fld>
             <a:endParaRPr lang="en-KE"/>
           </a:p>
@@ -3147,7 +3147,7 @@
           <a:p>
             <a:fld id="{5DF74590-E9FD-764A-850B-97F95884E8E3}" type="datetimeFigureOut">
               <a:rPr lang="en-KE" smtClean="0"/>
-              <a:t>31/07/2024</a:t>
+              <a:t>26/10/2024</a:t>
             </a:fld>
             <a:endParaRPr lang="en-KE"/>
           </a:p>
@@ -4086,21 +4086,21 @@
           <a:p>
             <a:pPr algn="ctr"/>
             <a:r>
-              <a:rPr lang="en-KE" sz="9600" kern="100" dirty="0">
+              <a:rPr lang="en-KE" sz="9600" i="1" kern="100" dirty="0">
                 <a:solidFill>
                   <a:schemeClr val="accent4">
                     <a:lumMod val="60000"/>
                     <a:lumOff val="40000"/>
                   </a:schemeClr>
                 </a:solidFill>
-                <a:latin typeface="Snell Roundhand" panose="02000603080000090004" pitchFamily="2" charset="77"/>
+                <a:latin typeface="Lucida Blackletter" pitchFamily="2" charset="77"/>
                 <a:ea typeface="Calibri" panose="020F0502020204030204" pitchFamily="34" charset="0"/>
                 <a:cs typeface="Times New Roman" panose="02020603050405020304" pitchFamily="18" charset="0"/>
               </a:rPr>
               <a:t>T</a:t>
             </a:r>
             <a:r>
-              <a:rPr lang="en-KE" sz="9600" kern="100" dirty="0">
+              <a:rPr lang="en-KE" sz="9600" i="1" kern="100" dirty="0">
                 <a:solidFill>
                   <a:schemeClr val="accent4">
                     <a:lumMod val="60000"/>
@@ -4108,7 +4108,7 @@
                   </a:schemeClr>
                 </a:solidFill>
                 <a:effectLst/>
-                <a:latin typeface="Snell Roundhand" panose="02000603080000090004" pitchFamily="2" charset="77"/>
+                <a:latin typeface="Lucida Blackletter" pitchFamily="2" charset="77"/>
                 <a:ea typeface="Calibri" panose="020F0502020204030204" pitchFamily="34" charset="0"/>
                 <a:cs typeface="Times New Roman" panose="02020603050405020304" pitchFamily="18" charset="0"/>
               </a:rPr>
@@ -4132,7 +4132,7 @@
         <p:spPr>
           <a:xfrm>
             <a:off x="4373411" y="5934670"/>
-            <a:ext cx="3445174" cy="923330"/>
+            <a:ext cx="3435556" cy="923330"/>
           </a:xfrm>
           <a:prstGeom prst="rect">
             <a:avLst/>
@@ -4146,7 +4146,7 @@
           <a:lstStyle/>
           <a:p>
             <a:r>
-              <a:rPr lang="en-KE" sz="5400" dirty="0">
+              <a:rPr lang="en-KE" sz="5400" i="1" dirty="0">
                 <a:solidFill>
                   <a:schemeClr val="accent4">
                     <a:lumMod val="60000"/>
@@ -4155,7 +4155,7 @@
                 </a:solidFill>
                 <a:latin typeface="Lucida Blackletter" pitchFamily="2" charset="77"/>
               </a:rPr>
-              <a:t>The Eng!!!</a:t>
+              <a:t>The End!!!</a:t>
             </a:r>
           </a:p>
         </p:txBody>
@@ -5854,42 +5854,6 @@
       </p:sp>
       <p:pic>
         <p:nvPicPr>
-          <p:cNvPr id="22" name="Picture 21">
-            <a:extLst>
-              <a:ext uri="{FF2B5EF4-FFF2-40B4-BE49-F238E27FC236}">
-                <a16:creationId xmlns:a16="http://schemas.microsoft.com/office/drawing/2014/main" id="{5EE3B454-2AE9-A41E-DE39-B696352BC92F}"/>
-              </a:ext>
-            </a:extLst>
-          </p:cNvPr>
-          <p:cNvPicPr>
-            <a:picLocks noChangeAspect="1"/>
-          </p:cNvPicPr>
-          <p:nvPr/>
-        </p:nvPicPr>
-        <p:blipFill>
-          <a:blip r:embed="rId10">
-            <a:extLst>
-              <a:ext uri="{28A0092B-C50C-407E-A947-70E740481C1C}">
-                <a14:useLocalDpi xmlns:a14="http://schemas.microsoft.com/office/drawing/2010/main" val="0"/>
-              </a:ext>
-            </a:extLst>
-          </a:blip>
-          <a:stretch>
-            <a:fillRect/>
-          </a:stretch>
-        </p:blipFill>
-        <p:spPr>
-          <a:xfrm>
-            <a:off x="3480013" y="2125111"/>
-            <a:ext cx="5227923" cy="3557885"/>
-          </a:xfrm>
-          <a:prstGeom prst="rect">
-            <a:avLst/>
-          </a:prstGeom>
-        </p:spPr>
-      </p:pic>
-      <p:pic>
-        <p:nvPicPr>
           <p:cNvPr id="23" name="Picture 22">
             <a:extLst>
               <a:ext uri="{FF2B5EF4-FFF2-40B4-BE49-F238E27FC236}">
@@ -5903,7 +5867,7 @@
           <p:nvPr/>
         </p:nvPicPr>
         <p:blipFill>
-          <a:blip r:embed="rId11">
+          <a:blip r:embed="rId10">
             <a:alphaModFix amt="50000"/>
             <a:extLst>
               <a:ext uri="{28A0092B-C50C-407E-A947-70E740481C1C}">
@@ -5940,7 +5904,7 @@
           <p:nvPr/>
         </p:nvPicPr>
         <p:blipFill>
-          <a:blip r:embed="rId11">
+          <a:blip r:embed="rId10">
             <a:alphaModFix amt="50000"/>
             <a:extLst>
               <a:ext uri="{28A0092B-C50C-407E-A947-70E740481C1C}">
@@ -6017,6 +5981,36 @@
           </a:p>
         </p:txBody>
       </p:sp>
+      <p:pic>
+        <p:nvPicPr>
+          <p:cNvPr id="3" name="Picture 2">
+            <a:extLst>
+              <a:ext uri="{FF2B5EF4-FFF2-40B4-BE49-F238E27FC236}">
+                <a16:creationId xmlns:a16="http://schemas.microsoft.com/office/drawing/2014/main" id="{D45719E8-FBF6-A057-F00B-6F83CA1C97A5}"/>
+              </a:ext>
+            </a:extLst>
+          </p:cNvPr>
+          <p:cNvPicPr>
+            <a:picLocks noChangeAspect="1"/>
+          </p:cNvPicPr>
+          <p:nvPr/>
+        </p:nvPicPr>
+        <p:blipFill>
+          <a:blip r:embed="rId11"/>
+          <a:stretch>
+            <a:fillRect/>
+          </a:stretch>
+        </p:blipFill>
+        <p:spPr>
+          <a:xfrm>
+            <a:off x="1946366" y="2084478"/>
+            <a:ext cx="8321040" cy="3593018"/>
+          </a:xfrm>
+          <a:prstGeom prst="rect">
+            <a:avLst/>
+          </a:prstGeom>
+        </p:spPr>
+      </p:pic>
     </p:spTree>
     <p:extLst>
       <p:ext uri="{BB962C8B-B14F-4D97-AF65-F5344CB8AC3E}">
